--- a/Tomcat을 이용한 게시판 만들기.pptx
+++ b/Tomcat을 이용한 게시판 만들기.pptx
@@ -26,10 +26,12 @@
     <p:sldId id="274" r:id="rId20"/>
     <p:sldId id="275" r:id="rId21"/>
     <p:sldId id="276" r:id="rId22"/>
-    <p:sldId id="280" r:id="rId23"/>
-    <p:sldId id="281" r:id="rId24"/>
-    <p:sldId id="282" r:id="rId25"/>
-    <p:sldId id="283" r:id="rId26"/>
+    <p:sldId id="284" r:id="rId23"/>
+    <p:sldId id="280" r:id="rId24"/>
+    <p:sldId id="281" r:id="rId25"/>
+    <p:sldId id="282" r:id="rId26"/>
+    <p:sldId id="285" r:id="rId27"/>
+    <p:sldId id="283" r:id="rId28"/>
   </p:sldIdLst>
   <p:sldSz cx="12192000" cy="6858000"/>
   <p:notesSz cx="6858000" cy="9144000"/>
@@ -7466,7 +7468,7 @@
           <p:cNvPr id="2" name="제목 1">
             <a:extLst>
               <a:ext uri="{FF2B5EF4-FFF2-40B4-BE49-F238E27FC236}">
-                <a16:creationId xmlns:a16="http://schemas.microsoft.com/office/drawing/2014/main" id="{9DB09A14-ECCC-9AAA-4C0B-FCC3CA70955B}"/>
+                <a16:creationId xmlns:a16="http://schemas.microsoft.com/office/drawing/2014/main" id="{A267CBEB-00BA-2CE0-C315-C19B3A6AAD95}"/>
               </a:ext>
             </a:extLst>
           </p:cNvPr>
@@ -7479,8 +7481,8 @@
         </p:nvSpPr>
         <p:spPr>
           <a:xfrm>
-            <a:off x="66798" y="0"/>
-            <a:ext cx="1542803" cy="1048039"/>
+            <a:off x="208808" y="130629"/>
+            <a:ext cx="5396345" cy="644278"/>
           </a:xfrm>
         </p:spPr>
         <p:txBody>
@@ -7490,10 +7492,17 @@
           <a:lstStyle/>
           <a:p>
             <a:r>
-              <a:rPr lang="en-US" altLang="ko-KR" sz="3200" b="1" dirty="0"/>
-              <a:t>food</a:t>
-            </a:r>
-            <a:endParaRPr lang="ko-KR" altLang="en-US" sz="3200" b="1" dirty="0"/>
+              <a:rPr lang="en-US" altLang="ko-KR" sz="2800" dirty="0"/>
+              <a:t>Users-</a:t>
+            </a:r>
+            <a:r>
+              <a:rPr lang="en-US" altLang="ko-KR" sz="2800" dirty="0" err="1"/>
+              <a:t>api</a:t>
+            </a:r>
+            <a:r>
+              <a:rPr lang="ko-KR" altLang="en-US" sz="2800" dirty="0"/>
+              <a:t>명세서</a:t>
+            </a:r>
           </a:p>
         </p:txBody>
       </p:sp>
@@ -7502,7 +7511,7 @@
           <p:cNvPr id="3" name="내용 개체 틀 2">
             <a:extLst>
               <a:ext uri="{FF2B5EF4-FFF2-40B4-BE49-F238E27FC236}">
-                <a16:creationId xmlns:a16="http://schemas.microsoft.com/office/drawing/2014/main" id="{2BEC7A0A-8BBC-0326-5310-E09323644D3E}"/>
+                <a16:creationId xmlns:a16="http://schemas.microsoft.com/office/drawing/2014/main" id="{2C0080EA-291B-932A-88D1-C239076277DD}"/>
               </a:ext>
             </a:extLst>
           </p:cNvPr>
@@ -7515,113 +7524,234 @@
         </p:nvSpPr>
         <p:spPr>
           <a:xfrm>
-            <a:off x="66798" y="1253331"/>
-            <a:ext cx="9445417" cy="4351338"/>
+            <a:off x="208809" y="917162"/>
+            <a:ext cx="5972298" cy="5293633"/>
           </a:xfrm>
         </p:spPr>
         <p:txBody>
-          <a:bodyPr/>
+          <a:bodyPr>
+            <a:normAutofit/>
+          </a:bodyPr>
           <a:lstStyle/>
           <a:p>
             <a:pPr marL="0" indent="0">
               <a:buNone/>
             </a:pPr>
             <a:r>
-              <a:rPr lang="en-US" altLang="ko-KR" dirty="0"/>
-              <a:t>food API</a:t>
-            </a:r>
-            <a:r>
-              <a:rPr lang="ko-KR" altLang="en-US" dirty="0"/>
-              <a:t>는 데이터 중심의 </a:t>
-            </a:r>
-            <a:r>
-              <a:rPr lang="en-US" altLang="ko-KR" dirty="0"/>
+              <a:rPr lang="en-US" altLang="ko-KR" sz="2400" dirty="0"/>
+              <a:t>Api</a:t>
+            </a:r>
+            <a:r>
+              <a:rPr lang="ko-KR" altLang="en-US" sz="2400" dirty="0"/>
+              <a:t> 명세서란</a:t>
+            </a:r>
+            <a:r>
+              <a:rPr lang="en-US" altLang="ko-KR" sz="2400" dirty="0"/>
+              <a:t>?</a:t>
+            </a:r>
+          </a:p>
+          <a:p>
+            <a:pPr marL="0" indent="0">
+              <a:buNone/>
+            </a:pPr>
+            <a:r>
+              <a:rPr lang="ko-KR" altLang="en-US" sz="1600" dirty="0" err="1"/>
+              <a:t>프론트엔드와</a:t>
+            </a:r>
+            <a:r>
+              <a:rPr lang="ko-KR" altLang="en-US" sz="1600" dirty="0"/>
+              <a:t> </a:t>
+            </a:r>
+            <a:r>
+              <a:rPr lang="ko-KR" altLang="en-US" sz="1600" dirty="0" err="1"/>
+              <a:t>백엔드가</a:t>
+            </a:r>
+            <a:r>
+              <a:rPr lang="ko-KR" altLang="en-US" sz="1600" dirty="0"/>
+              <a:t> 데이터를</a:t>
+            </a:r>
+            <a:endParaRPr lang="en-US" altLang="ko-KR" sz="1600" dirty="0"/>
+          </a:p>
+          <a:p>
+            <a:pPr marL="0" indent="0">
+              <a:buNone/>
+            </a:pPr>
+            <a:r>
+              <a:rPr lang="ko-KR" altLang="en-US" sz="1600" b="1" dirty="0"/>
+              <a:t>주고받기 위한 규칙과 형식을 정리한 문서</a:t>
+            </a:r>
+            <a:r>
+              <a:rPr lang="ko-KR" altLang="en-US" sz="1600" dirty="0"/>
+              <a:t>이며 기능 </a:t>
+            </a:r>
+            <a:r>
+              <a:rPr lang="ko-KR" altLang="en-US" sz="1600" dirty="0" err="1"/>
+              <a:t>구현뿐만</a:t>
+            </a:r>
+            <a:endParaRPr lang="en-US" altLang="ko-KR" sz="1600" dirty="0"/>
+          </a:p>
+          <a:p>
+            <a:pPr marL="0" indent="0">
+              <a:buNone/>
+            </a:pPr>
+            <a:r>
+              <a:rPr lang="ko-KR" altLang="en-US" sz="1600" dirty="0"/>
+              <a:t>아니라 정확한 협업과 테스트를 위한 필수 자료</a:t>
+            </a:r>
+            <a:r>
+              <a:rPr lang="en-US" altLang="ko-KR" sz="1600" dirty="0"/>
+              <a:t>.</a:t>
+            </a:r>
+          </a:p>
+          <a:p>
+            <a:pPr marL="0" indent="0">
+              <a:buNone/>
+            </a:pPr>
+            <a:endParaRPr lang="en-US" altLang="ko-KR" sz="1600" dirty="0"/>
+          </a:p>
+          <a:p>
+            <a:pPr marL="0" indent="0">
+              <a:buNone/>
+            </a:pPr>
+            <a:endParaRPr lang="en-US" altLang="ko-KR" sz="1600" dirty="0"/>
+          </a:p>
+          <a:p>
+            <a:pPr marL="0" indent="0">
+              <a:buNone/>
+            </a:pPr>
+            <a:r>
+              <a:rPr lang="ko-KR" altLang="en-US" sz="1600" dirty="0"/>
+              <a:t>이 </a:t>
+            </a:r>
+            <a:r>
+              <a:rPr lang="en-US" altLang="ko-KR" sz="1600" dirty="0"/>
+              <a:t>Api</a:t>
+            </a:r>
+            <a:r>
+              <a:rPr lang="ko-KR" altLang="en-US" sz="1600" dirty="0"/>
+              <a:t>는 사용자의 회원가입이나</a:t>
+            </a:r>
+            <a:r>
+              <a:rPr lang="en-US" altLang="ko-KR" sz="1600" dirty="0"/>
+              <a:t>, </a:t>
+            </a:r>
+            <a:r>
+              <a:rPr lang="ko-KR" altLang="en-US" sz="1600" dirty="0"/>
+              <a:t>로그인을 처리하기위해</a:t>
+            </a:r>
+            <a:r>
+              <a:rPr lang="en-US" altLang="ko-KR" sz="1600" dirty="0"/>
+              <a:t>, </a:t>
+            </a:r>
+          </a:p>
+          <a:p>
+            <a:pPr marL="0" indent="0">
+              <a:buNone/>
+            </a:pPr>
+            <a:r>
+              <a:rPr lang="en-US" altLang="ko-KR" sz="1600" dirty="0"/>
+              <a:t>/users</a:t>
+            </a:r>
+            <a:r>
+              <a:rPr lang="ko-KR" altLang="en-US" sz="1600" dirty="0"/>
+              <a:t>경로를 기준으로</a:t>
+            </a:r>
+            <a:endParaRPr lang="en-US" altLang="ko-KR" sz="1600" dirty="0"/>
+          </a:p>
+          <a:p>
+            <a:pPr marL="0" indent="0">
+              <a:buNone/>
+            </a:pPr>
+            <a:r>
+              <a:rPr lang="en-US" altLang="ko-KR" sz="1600" dirty="0"/>
+              <a:t>/register</a:t>
+            </a:r>
+            <a:r>
+              <a:rPr lang="ko-KR" altLang="en-US" sz="1600" dirty="0"/>
+              <a:t>는 새로운 사용자 정보를 저장하여 회원가입을</a:t>
+            </a:r>
+            <a:endParaRPr lang="en-US" altLang="ko-KR" sz="1600" dirty="0"/>
+          </a:p>
+          <a:p>
+            <a:pPr marL="0" indent="0">
+              <a:buNone/>
+            </a:pPr>
+            <a:r>
+              <a:rPr lang="en-US" altLang="ko-KR" sz="1600" dirty="0"/>
+              <a:t>/login</a:t>
+            </a:r>
+            <a:r>
+              <a:rPr lang="ko-KR" altLang="en-US" sz="1600" dirty="0"/>
+              <a:t>은 기존 사용자의 정보를 검토하여 로그인을 돕는다</a:t>
+            </a:r>
+            <a:r>
+              <a:rPr lang="en-US" altLang="ko-KR" sz="1600" dirty="0"/>
+              <a:t>.</a:t>
+            </a:r>
+          </a:p>
+          <a:p>
+            <a:pPr marL="0" indent="0">
+              <a:buNone/>
+            </a:pPr>
+            <a:r>
+              <a:rPr lang="ko-KR" altLang="en-US" sz="1600" dirty="0"/>
+              <a:t>이 </a:t>
+            </a:r>
+            <a:r>
+              <a:rPr lang="en-US" altLang="ko-KR" sz="1600" dirty="0"/>
               <a:t>API</a:t>
             </a:r>
             <a:r>
-              <a:rPr lang="ko-KR" altLang="en-US" dirty="0"/>
-              <a:t>로</a:t>
-            </a:r>
-            <a:r>
-              <a:rPr lang="en-US" altLang="ko-KR" dirty="0"/>
+              <a:rPr lang="ko-KR" altLang="en-US" sz="1600" dirty="0"/>
+              <a:t>는 사용자가 </a:t>
+            </a:r>
+            <a:r>
+              <a:rPr lang="en-US" altLang="ko-KR" sz="1600" dirty="0"/>
+              <a:t>username</a:t>
+            </a:r>
+            <a:r>
+              <a:rPr lang="ko-KR" altLang="en-US" sz="1600" dirty="0"/>
+              <a:t>과 </a:t>
+            </a:r>
+            <a:r>
+              <a:rPr lang="en-US" altLang="ko-KR" sz="1600" dirty="0"/>
+              <a:t>password</a:t>
+            </a:r>
+            <a:r>
+              <a:rPr lang="ko-KR" altLang="en-US" sz="1600" dirty="0"/>
+              <a:t>를 입력해 회원가입</a:t>
+            </a:r>
+            <a:r>
+              <a:rPr lang="en-US" altLang="ko-KR" sz="1600" dirty="0"/>
+              <a:t> </a:t>
+            </a:r>
+            <a:r>
+              <a:rPr lang="ko-KR" altLang="en-US" sz="1600" dirty="0"/>
+              <a:t>또는 로그인을 요청하면</a:t>
+            </a:r>
+            <a:r>
+              <a:rPr lang="en-US" altLang="ko-KR" sz="1600" dirty="0"/>
               <a:t>,</a:t>
             </a:r>
-            <a:r>
-              <a:rPr lang="ko-KR" altLang="en-US" dirty="0"/>
-              <a:t> </a:t>
-            </a:r>
-            <a:r>
-              <a:rPr lang="ko-KR" altLang="en-US" b="1" dirty="0"/>
-              <a:t>빠른 조회</a:t>
-            </a:r>
-            <a:r>
-              <a:rPr lang="en-US" altLang="ko-KR" b="1" dirty="0"/>
-              <a:t>, </a:t>
-            </a:r>
-            <a:r>
-              <a:rPr lang="ko-KR" altLang="en-US" b="1" dirty="0"/>
-              <a:t>조건 검색</a:t>
-            </a:r>
-            <a:r>
-              <a:rPr lang="en-US" altLang="ko-KR" b="1" dirty="0"/>
-              <a:t>, </a:t>
-            </a:r>
-            <a:r>
-              <a:rPr lang="ko-KR" altLang="en-US" b="1" dirty="0"/>
-              <a:t>다수 데이터 처리</a:t>
-            </a:r>
-            <a:r>
-              <a:rPr lang="ko-KR" altLang="en-US" dirty="0"/>
-              <a:t>에 초점을 두고 제작되었습니다</a:t>
-            </a:r>
-            <a:r>
-              <a:rPr lang="en-US" altLang="ko-KR" dirty="0"/>
+            <a:br>
+              <a:rPr lang="en-US" altLang="ko-KR" sz="1600" dirty="0"/>
+            </a:br>
+            <a:r>
+              <a:rPr lang="ko-KR" altLang="en-US" sz="1600" dirty="0"/>
+              <a:t>서버가 이를 처리한 후 성공 또는 실패 메시지를 </a:t>
+            </a:r>
+            <a:r>
+              <a:rPr lang="en-US" altLang="ko-KR" sz="1600" dirty="0"/>
+              <a:t>JSON </a:t>
+            </a:r>
+            <a:r>
+              <a:rPr lang="ko-KR" altLang="en-US" sz="1600" dirty="0"/>
+              <a:t>형식으로 응답합니다</a:t>
+            </a:r>
+            <a:r>
+              <a:rPr lang="en-US" altLang="ko-KR" sz="1600" dirty="0"/>
               <a:t>.</a:t>
             </a:r>
-          </a:p>
-          <a:p>
-            <a:pPr marL="0" indent="0">
-              <a:buNone/>
-            </a:pPr>
-            <a:endParaRPr lang="en-US" altLang="ko-KR" dirty="0"/>
-          </a:p>
-          <a:p>
-            <a:r>
-              <a:rPr lang="ko-KR" altLang="en-US" sz="2400" dirty="0"/>
-              <a:t>전체 데이터 조회</a:t>
-            </a:r>
-            <a:endParaRPr lang="en-US" altLang="ko-KR" sz="2400" dirty="0"/>
-          </a:p>
-          <a:p>
-            <a:pPr lvl="1"/>
-            <a:r>
-              <a:rPr lang="ko-KR" altLang="en-US" sz="2000" dirty="0"/>
-              <a:t>음식 목록을 한 번에 </a:t>
-            </a:r>
-            <a:r>
-              <a:rPr lang="ko-KR" altLang="en-US" sz="2000" dirty="0" err="1"/>
-              <a:t>가저오는</a:t>
-            </a:r>
-            <a:r>
-              <a:rPr lang="ko-KR" altLang="en-US" sz="2000" dirty="0"/>
-              <a:t> 기능</a:t>
-            </a:r>
-            <a:endParaRPr lang="en-US" altLang="ko-KR" sz="2000" dirty="0"/>
-          </a:p>
-          <a:p>
-            <a:r>
-              <a:rPr lang="ko-KR" altLang="en-US" sz="2400" dirty="0"/>
-              <a:t>복수 데이터 등록 가능</a:t>
-            </a:r>
-            <a:endParaRPr lang="en-US" altLang="ko-KR" sz="2400" dirty="0"/>
-          </a:p>
-          <a:p>
-            <a:pPr lvl="1"/>
-            <a:r>
-              <a:rPr lang="ko-KR" altLang="en-US" sz="2000" dirty="0"/>
-              <a:t>여러 음식 데이터를 한 번에 저장하거나 관리 가능</a:t>
-            </a:r>
-            <a:endParaRPr lang="en-US" altLang="ko-KR" sz="2000" dirty="0"/>
           </a:p>
         </p:txBody>
       </p:sp>
@@ -7630,7 +7760,7 @@
           <p:cNvPr id="5" name="그림 4">
             <a:extLst>
               <a:ext uri="{FF2B5EF4-FFF2-40B4-BE49-F238E27FC236}">
-                <a16:creationId xmlns:a16="http://schemas.microsoft.com/office/drawing/2014/main" id="{639F8DCF-2145-1F8C-CE31-65D7EEA71F72}"/>
+                <a16:creationId xmlns:a16="http://schemas.microsoft.com/office/drawing/2014/main" id="{F8CA72E0-6E49-9213-85A5-D9576A125D78}"/>
               </a:ext>
             </a:extLst>
           </p:cNvPr>
@@ -7647,7 +7777,231 @@
         </p:blipFill>
         <p:spPr>
           <a:xfrm>
-            <a:off x="9626786" y="0"/>
+            <a:off x="6246420" y="130629"/>
+            <a:ext cx="5891149" cy="6283557"/>
+          </a:xfrm>
+          <a:prstGeom prst="rect">
+            <a:avLst/>
+          </a:prstGeom>
+        </p:spPr>
+      </p:pic>
+    </p:spTree>
+    <p:extLst>
+      <p:ext uri="{BB962C8B-B14F-4D97-AF65-F5344CB8AC3E}">
+        <p14:creationId xmlns:p14="http://schemas.microsoft.com/office/powerpoint/2010/main" val="3315452887"/>
+      </p:ext>
+    </p:extLst>
+  </p:cSld>
+  <p:clrMapOvr>
+    <a:masterClrMapping/>
+  </p:clrMapOvr>
+</p:sld>
+</file>
+
+<file path=ppt/slides/slide23.xml><?xml version="1.0" encoding="utf-8"?>
+<p:sld xmlns:a="http://schemas.openxmlformats.org/drawingml/2006/main" xmlns:r="http://schemas.openxmlformats.org/officeDocument/2006/relationships" xmlns:p="http://schemas.openxmlformats.org/presentationml/2006/main">
+  <p:cSld>
+    <p:spTree>
+      <p:nvGrpSpPr>
+        <p:cNvPr id="1" name=""/>
+        <p:cNvGrpSpPr/>
+        <p:nvPr/>
+      </p:nvGrpSpPr>
+      <p:grpSpPr>
+        <a:xfrm>
+          <a:off x="0" y="0"/>
+          <a:ext cx="0" cy="0"/>
+          <a:chOff x="0" y="0"/>
+          <a:chExt cx="0" cy="0"/>
+        </a:xfrm>
+      </p:grpSpPr>
+      <p:sp>
+        <p:nvSpPr>
+          <p:cNvPr id="2" name="제목 1">
+            <a:extLst>
+              <a:ext uri="{FF2B5EF4-FFF2-40B4-BE49-F238E27FC236}">
+                <a16:creationId xmlns:a16="http://schemas.microsoft.com/office/drawing/2014/main" id="{9DB09A14-ECCC-9AAA-4C0B-FCC3CA70955B}"/>
+              </a:ext>
+            </a:extLst>
+          </p:cNvPr>
+          <p:cNvSpPr>
+            <a:spLocks noGrp="1"/>
+          </p:cNvSpPr>
+          <p:nvPr>
+            <p:ph type="title"/>
+          </p:nvPr>
+        </p:nvSpPr>
+        <p:spPr>
+          <a:xfrm>
+            <a:off x="66798" y="0"/>
+            <a:ext cx="1542803" cy="1048039"/>
+          </a:xfrm>
+        </p:spPr>
+        <p:txBody>
+          <a:bodyPr>
+            <a:normAutofit/>
+          </a:bodyPr>
+          <a:lstStyle/>
+          <a:p>
+            <a:r>
+              <a:rPr lang="en-US" altLang="ko-KR" sz="3200" b="1" dirty="0"/>
+              <a:t>food</a:t>
+            </a:r>
+            <a:endParaRPr lang="ko-KR" altLang="en-US" sz="3200" b="1" dirty="0"/>
+          </a:p>
+        </p:txBody>
+      </p:sp>
+      <p:sp>
+        <p:nvSpPr>
+          <p:cNvPr id="3" name="내용 개체 틀 2">
+            <a:extLst>
+              <a:ext uri="{FF2B5EF4-FFF2-40B4-BE49-F238E27FC236}">
+                <a16:creationId xmlns:a16="http://schemas.microsoft.com/office/drawing/2014/main" id="{2BEC7A0A-8BBC-0326-5310-E09323644D3E}"/>
+              </a:ext>
+            </a:extLst>
+          </p:cNvPr>
+          <p:cNvSpPr>
+            <a:spLocks noGrp="1"/>
+          </p:cNvSpPr>
+          <p:nvPr>
+            <p:ph idx="1"/>
+          </p:nvPr>
+        </p:nvSpPr>
+        <p:spPr>
+          <a:xfrm>
+            <a:off x="66798" y="1253331"/>
+            <a:ext cx="9445417" cy="4351338"/>
+          </a:xfrm>
+        </p:spPr>
+        <p:txBody>
+          <a:bodyPr/>
+          <a:lstStyle/>
+          <a:p>
+            <a:pPr marL="0" indent="0">
+              <a:buNone/>
+            </a:pPr>
+            <a:r>
+              <a:rPr lang="en-US" altLang="ko-KR" dirty="0"/>
+              <a:t>food API</a:t>
+            </a:r>
+            <a:r>
+              <a:rPr lang="ko-KR" altLang="en-US" dirty="0"/>
+              <a:t>는 데이터 중심의 </a:t>
+            </a:r>
+            <a:r>
+              <a:rPr lang="en-US" altLang="ko-KR" dirty="0"/>
+              <a:t>API</a:t>
+            </a:r>
+            <a:r>
+              <a:rPr lang="ko-KR" altLang="en-US" dirty="0"/>
+              <a:t>로</a:t>
+            </a:r>
+            <a:r>
+              <a:rPr lang="en-US" altLang="ko-KR" dirty="0"/>
+              <a:t>,</a:t>
+            </a:r>
+            <a:r>
+              <a:rPr lang="ko-KR" altLang="en-US" dirty="0"/>
+              <a:t> </a:t>
+            </a:r>
+            <a:r>
+              <a:rPr lang="ko-KR" altLang="en-US" b="1" dirty="0"/>
+              <a:t>빠른 조회</a:t>
+            </a:r>
+            <a:r>
+              <a:rPr lang="en-US" altLang="ko-KR" b="1" dirty="0"/>
+              <a:t>, </a:t>
+            </a:r>
+            <a:r>
+              <a:rPr lang="ko-KR" altLang="en-US" b="1" dirty="0"/>
+              <a:t>조건 검색</a:t>
+            </a:r>
+            <a:r>
+              <a:rPr lang="en-US" altLang="ko-KR" b="1" dirty="0"/>
+              <a:t>, </a:t>
+            </a:r>
+            <a:r>
+              <a:rPr lang="ko-KR" altLang="en-US" b="1" dirty="0"/>
+              <a:t>다수 데이터 처리</a:t>
+            </a:r>
+            <a:r>
+              <a:rPr lang="ko-KR" altLang="en-US" dirty="0"/>
+              <a:t>에 초점을 두고 제작되었습니다</a:t>
+            </a:r>
+            <a:r>
+              <a:rPr lang="en-US" altLang="ko-KR" dirty="0"/>
+              <a:t>.</a:t>
+            </a:r>
+          </a:p>
+          <a:p>
+            <a:pPr marL="0" indent="0">
+              <a:buNone/>
+            </a:pPr>
+            <a:endParaRPr lang="en-US" altLang="ko-KR" dirty="0"/>
+          </a:p>
+          <a:p>
+            <a:r>
+              <a:rPr lang="ko-KR" altLang="en-US" sz="2400" dirty="0"/>
+              <a:t>전체 데이터 조회</a:t>
+            </a:r>
+            <a:endParaRPr lang="en-US" altLang="ko-KR" sz="2400" dirty="0"/>
+          </a:p>
+          <a:p>
+            <a:pPr lvl="1"/>
+            <a:r>
+              <a:rPr lang="ko-KR" altLang="en-US" sz="2000" dirty="0"/>
+              <a:t>음식 목록을 한 번에 </a:t>
+            </a:r>
+            <a:r>
+              <a:rPr lang="ko-KR" altLang="en-US" sz="2000" dirty="0" err="1"/>
+              <a:t>가저오는</a:t>
+            </a:r>
+            <a:r>
+              <a:rPr lang="ko-KR" altLang="en-US" sz="2000" dirty="0"/>
+              <a:t> 기능</a:t>
+            </a:r>
+            <a:endParaRPr lang="en-US" altLang="ko-KR" sz="2000" dirty="0"/>
+          </a:p>
+          <a:p>
+            <a:r>
+              <a:rPr lang="ko-KR" altLang="en-US" sz="2400" dirty="0"/>
+              <a:t>복수 데이터 등록 가능</a:t>
+            </a:r>
+            <a:endParaRPr lang="en-US" altLang="ko-KR" sz="2400" dirty="0"/>
+          </a:p>
+          <a:p>
+            <a:pPr lvl="1"/>
+            <a:r>
+              <a:rPr lang="ko-KR" altLang="en-US" sz="2000" dirty="0"/>
+              <a:t>여러 음식 데이터를 한 번에 저장하거나 관리 가능</a:t>
+            </a:r>
+            <a:endParaRPr lang="en-US" altLang="ko-KR" sz="2000" dirty="0"/>
+          </a:p>
+        </p:txBody>
+      </p:sp>
+      <p:pic>
+        <p:nvPicPr>
+          <p:cNvPr id="5" name="그림 4">
+            <a:extLst>
+              <a:ext uri="{FF2B5EF4-FFF2-40B4-BE49-F238E27FC236}">
+                <a16:creationId xmlns:a16="http://schemas.microsoft.com/office/drawing/2014/main" id="{639F8DCF-2145-1F8C-CE31-65D7EEA71F72}"/>
+              </a:ext>
+            </a:extLst>
+          </p:cNvPr>
+          <p:cNvPicPr>
+            <a:picLocks noChangeAspect="1"/>
+          </p:cNvPicPr>
+          <p:nvPr/>
+        </p:nvPicPr>
+        <p:blipFill>
+          <a:blip r:embed="rId2"/>
+          <a:stretch>
+            <a:fillRect/>
+          </a:stretch>
+        </p:blipFill>
+        <p:spPr>
+          <a:xfrm>
+            <a:off x="8522380" y="1929740"/>
             <a:ext cx="2565214" cy="4620840"/>
           </a:xfrm>
           <a:prstGeom prst="rect">
@@ -7668,7 +8022,7 @@
 </p:sld>
 </file>
 
-<file path=ppt/slides/slide23.xml><?xml version="1.0" encoding="utf-8"?>
+<file path=ppt/slides/slide24.xml><?xml version="1.0" encoding="utf-8"?>
 <p:sld xmlns:a="http://schemas.openxmlformats.org/drawingml/2006/main" xmlns:r="http://schemas.openxmlformats.org/officeDocument/2006/relationships" xmlns:p="http://schemas.openxmlformats.org/presentationml/2006/main">
   <p:cSld>
     <p:spTree>
@@ -7834,7 +8188,7 @@
 </p:sld>
 </file>
 
-<file path=ppt/slides/slide24.xml><?xml version="1.0" encoding="utf-8"?>
+<file path=ppt/slides/slide25.xml><?xml version="1.0" encoding="utf-8"?>
 <p:sld xmlns:a="http://schemas.openxmlformats.org/drawingml/2006/main" xmlns:r="http://schemas.openxmlformats.org/officeDocument/2006/relationships" xmlns:p="http://schemas.openxmlformats.org/presentationml/2006/main">
   <p:cSld>
     <p:spTree>
@@ -8144,7 +8498,716 @@
 </p:sld>
 </file>
 
-<file path=ppt/slides/slide25.xml><?xml version="1.0" encoding="utf-8"?>
+<file path=ppt/slides/slide26.xml><?xml version="1.0" encoding="utf-8"?>
+<p:sld xmlns:a="http://schemas.openxmlformats.org/drawingml/2006/main" xmlns:r="http://schemas.openxmlformats.org/officeDocument/2006/relationships" xmlns:p="http://schemas.openxmlformats.org/presentationml/2006/main">
+  <p:cSld>
+    <p:spTree>
+      <p:nvGrpSpPr>
+        <p:cNvPr id="1" name=""/>
+        <p:cNvGrpSpPr/>
+        <p:nvPr/>
+      </p:nvGrpSpPr>
+      <p:grpSpPr>
+        <a:xfrm>
+          <a:off x="0" y="0"/>
+          <a:ext cx="0" cy="0"/>
+          <a:chOff x="0" y="0"/>
+          <a:chExt cx="0" cy="0"/>
+        </a:xfrm>
+      </p:grpSpPr>
+      <p:sp>
+        <p:nvSpPr>
+          <p:cNvPr id="2" name="제목 1">
+            <a:extLst>
+              <a:ext uri="{FF2B5EF4-FFF2-40B4-BE49-F238E27FC236}">
+                <a16:creationId xmlns:a16="http://schemas.microsoft.com/office/drawing/2014/main" id="{84D8F83E-BBA0-8AC4-A27B-A665C8345496}"/>
+              </a:ext>
+            </a:extLst>
+          </p:cNvPr>
+          <p:cNvSpPr>
+            <a:spLocks noGrp="1"/>
+          </p:cNvSpPr>
+          <p:nvPr>
+            <p:ph type="title"/>
+          </p:nvPr>
+        </p:nvSpPr>
+        <p:spPr>
+          <a:xfrm>
+            <a:off x="291935" y="181057"/>
+            <a:ext cx="2914403" cy="721467"/>
+          </a:xfrm>
+        </p:spPr>
+        <p:txBody>
+          <a:bodyPr>
+            <a:normAutofit/>
+          </a:bodyPr>
+          <a:lstStyle/>
+          <a:p>
+            <a:r>
+              <a:rPr lang="en-US" altLang="ko-KR" sz="2800" dirty="0"/>
+              <a:t>Foods-</a:t>
+            </a:r>
+            <a:r>
+              <a:rPr lang="en-US" altLang="ko-KR" sz="2800" dirty="0" err="1"/>
+              <a:t>api</a:t>
+            </a:r>
+            <a:r>
+              <a:rPr lang="ko-KR" altLang="en-US" sz="2800" dirty="0"/>
+              <a:t>명세서</a:t>
+            </a:r>
+          </a:p>
+        </p:txBody>
+      </p:sp>
+      <p:pic>
+        <p:nvPicPr>
+          <p:cNvPr id="5" name="그림 4">
+            <a:extLst>
+              <a:ext uri="{FF2B5EF4-FFF2-40B4-BE49-F238E27FC236}">
+                <a16:creationId xmlns:a16="http://schemas.microsoft.com/office/drawing/2014/main" id="{C6151851-A91E-5359-49FC-0C8793995F22}"/>
+              </a:ext>
+            </a:extLst>
+          </p:cNvPr>
+          <p:cNvPicPr>
+            <a:picLocks noChangeAspect="1"/>
+          </p:cNvPicPr>
+          <p:nvPr/>
+        </p:nvPicPr>
+        <p:blipFill>
+          <a:blip r:embed="rId2"/>
+          <a:stretch>
+            <a:fillRect/>
+          </a:stretch>
+        </p:blipFill>
+        <p:spPr>
+          <a:xfrm>
+            <a:off x="7076743" y="107603"/>
+            <a:ext cx="4902452" cy="6750397"/>
+          </a:xfrm>
+          <a:prstGeom prst="rect">
+            <a:avLst/>
+          </a:prstGeom>
+        </p:spPr>
+      </p:pic>
+      <p:sp>
+        <p:nvSpPr>
+          <p:cNvPr id="7" name="Rectangle 2">
+            <a:extLst>
+              <a:ext uri="{FF2B5EF4-FFF2-40B4-BE49-F238E27FC236}">
+                <a16:creationId xmlns:a16="http://schemas.microsoft.com/office/drawing/2014/main" id="{8CDDCCDD-494D-1FB1-4885-5337C78BF51A}"/>
+              </a:ext>
+            </a:extLst>
+          </p:cNvPr>
+          <p:cNvSpPr>
+            <a:spLocks noGrp="1" noChangeArrowheads="1"/>
+          </p:cNvSpPr>
+          <p:nvPr>
+            <p:ph idx="1"/>
+          </p:nvPr>
+        </p:nvSpPr>
+        <p:spPr bwMode="auto">
+          <a:xfrm>
+            <a:off x="212806" y="1808296"/>
+            <a:ext cx="6775823" cy="3693319"/>
+          </a:xfrm>
+          <a:prstGeom prst="rect">
+            <a:avLst/>
+          </a:prstGeom>
+          <a:noFill/>
+          <a:ln>
+            <a:noFill/>
+          </a:ln>
+          <a:effectLst/>
+          <a:extLst>
+            <a:ext uri="{909E8E84-426E-40DD-AFC4-6F175D3DCCD1}">
+              <a14:hiddenFill xmlns:a14="http://schemas.microsoft.com/office/drawing/2010/main">
+                <a:solidFill>
+                  <a:schemeClr val="accent1"/>
+                </a:solidFill>
+              </a14:hiddenFill>
+            </a:ext>
+            <a:ext uri="{91240B29-F687-4F45-9708-019B960494DF}">
+              <a14:hiddenLine xmlns:a14="http://schemas.microsoft.com/office/drawing/2010/main" w="9525">
+                <a:solidFill>
+                  <a:schemeClr val="tx1"/>
+                </a:solidFill>
+                <a:miter lim="800000"/>
+                <a:headEnd/>
+                <a:tailEnd/>
+              </a14:hiddenLine>
+            </a:ext>
+            <a:ext uri="{AF507438-7753-43E0-B8FC-AC1667EBCBE1}">
+              <a14:hiddenEffects xmlns:a14="http://schemas.microsoft.com/office/drawing/2010/main">
+                <a:effectLst>
+                  <a:outerShdw dist="35921" dir="2700000" algn="ctr" rotWithShape="0">
+                    <a:schemeClr val="bg2"/>
+                  </a:outerShdw>
+                </a:effectLst>
+              </a14:hiddenEffects>
+            </a:ext>
+          </a:extLst>
+        </p:spPr>
+        <p:txBody>
+          <a:bodyPr vert="horz" wrap="square" lIns="91440" tIns="45720" rIns="91440" bIns="45720" numCol="1" anchor="ctr" anchorCtr="0" compatLnSpc="1">
+            <a:prstTxWarp prst="textNoShape">
+              <a:avLst/>
+            </a:prstTxWarp>
+            <a:spAutoFit/>
+          </a:bodyPr>
+          <a:lstStyle/>
+          <a:p>
+            <a:pPr marL="0" marR="0" lvl="0" indent="0" algn="l" defTabSz="914400" rtl="0" eaLnBrk="0" fontAlgn="base" latinLnBrk="0" hangingPunct="0">
+              <a:lnSpc>
+                <a:spcPct val="100000"/>
+              </a:lnSpc>
+              <a:spcBef>
+                <a:spcPct val="0"/>
+              </a:spcBef>
+              <a:spcAft>
+                <a:spcPct val="0"/>
+              </a:spcAft>
+              <a:buClrTx/>
+              <a:buSzTx/>
+              <a:buFontTx/>
+              <a:buNone/>
+              <a:tabLst/>
+            </a:pPr>
+            <a:r>
+              <a:rPr kumimoji="0" lang="ko-KR" altLang="ko-KR" sz="1800" i="0" u="none" strike="noStrike" cap="none" normalizeH="0" baseline="0" dirty="0">
+                <a:ln>
+                  <a:noFill/>
+                </a:ln>
+                <a:solidFill>
+                  <a:schemeClr val="tx1"/>
+                </a:solidFill>
+                <a:effectLst/>
+                <a:latin typeface="Arial" panose="020B0604020202020204" pitchFamily="34" charset="0"/>
+              </a:rPr>
+              <a:t>이 </a:t>
+            </a:r>
+            <a:r>
+              <a:rPr kumimoji="0" lang="ko-KR" altLang="ko-KR" sz="1800" i="0" u="none" strike="noStrike" cap="none" normalizeH="0" baseline="0" dirty="0" err="1">
+                <a:ln>
+                  <a:noFill/>
+                </a:ln>
+                <a:solidFill>
+                  <a:schemeClr val="tx1"/>
+                </a:solidFill>
+                <a:effectLst/>
+                <a:latin typeface="Arial" panose="020B0604020202020204" pitchFamily="34" charset="0"/>
+              </a:rPr>
+              <a:t>API는</a:t>
+            </a:r>
+            <a:r>
+              <a:rPr kumimoji="0" lang="ko-KR" altLang="ko-KR" sz="1800" i="0" u="none" strike="noStrike" cap="none" normalizeH="0" baseline="0" dirty="0">
+                <a:ln>
+                  <a:noFill/>
+                </a:ln>
+                <a:solidFill>
+                  <a:schemeClr val="tx1"/>
+                </a:solidFill>
+                <a:effectLst/>
+                <a:latin typeface="Arial" panose="020B0604020202020204" pitchFamily="34" charset="0"/>
+              </a:rPr>
+              <a:t> 사용자의 회원가입 및 로그인을 처리하기 위한 </a:t>
+            </a:r>
+            <a:r>
+              <a:rPr kumimoji="0" lang="ko-KR" altLang="ko-KR" sz="1800" i="0" u="none" strike="noStrike" cap="none" normalizeH="0" baseline="0" dirty="0" err="1">
+                <a:ln>
+                  <a:noFill/>
+                </a:ln>
+                <a:solidFill>
+                  <a:schemeClr val="tx1"/>
+                </a:solidFill>
+                <a:effectLst/>
+                <a:latin typeface="Arial" panose="020B0604020202020204" pitchFamily="34" charset="0"/>
+              </a:rPr>
+              <a:t>백엔드</a:t>
+            </a:r>
+            <a:r>
+              <a:rPr kumimoji="0" lang="ko-KR" altLang="ko-KR" sz="1800" i="0" u="none" strike="noStrike" cap="none" normalizeH="0" baseline="0" dirty="0">
+                <a:ln>
+                  <a:noFill/>
+                </a:ln>
+                <a:solidFill>
+                  <a:schemeClr val="tx1"/>
+                </a:solidFill>
+                <a:effectLst/>
+                <a:latin typeface="Arial" panose="020B0604020202020204" pitchFamily="34" charset="0"/>
+              </a:rPr>
+              <a:t> 기능입니다.</a:t>
+            </a:r>
+            <a:endParaRPr kumimoji="0" lang="en-US" altLang="ko-KR" sz="1800" i="0" u="none" strike="noStrike" cap="none" normalizeH="0" baseline="0" dirty="0">
+              <a:ln>
+                <a:noFill/>
+              </a:ln>
+              <a:solidFill>
+                <a:schemeClr val="tx1"/>
+              </a:solidFill>
+              <a:effectLst/>
+              <a:latin typeface="Arial" panose="020B0604020202020204" pitchFamily="34" charset="0"/>
+            </a:endParaRPr>
+          </a:p>
+          <a:p>
+            <a:pPr marL="0" marR="0" lvl="0" indent="0" algn="l" defTabSz="914400" rtl="0" eaLnBrk="0" fontAlgn="base" latinLnBrk="0" hangingPunct="0">
+              <a:lnSpc>
+                <a:spcPct val="100000"/>
+              </a:lnSpc>
+              <a:spcBef>
+                <a:spcPct val="0"/>
+              </a:spcBef>
+              <a:spcAft>
+                <a:spcPct val="0"/>
+              </a:spcAft>
+              <a:buClrTx/>
+              <a:buSzTx/>
+              <a:buFontTx/>
+              <a:buNone/>
+              <a:tabLst/>
+            </a:pPr>
+            <a:endParaRPr lang="en-US" altLang="ko-KR" sz="1800" dirty="0">
+              <a:latin typeface="Arial" panose="020B0604020202020204" pitchFamily="34" charset="0"/>
+            </a:endParaRPr>
+          </a:p>
+          <a:p>
+            <a:pPr marL="0" marR="0" lvl="0" indent="0" algn="l" defTabSz="914400" rtl="0" eaLnBrk="0" fontAlgn="base" latinLnBrk="0" hangingPunct="0">
+              <a:lnSpc>
+                <a:spcPct val="100000"/>
+              </a:lnSpc>
+              <a:spcBef>
+                <a:spcPct val="0"/>
+              </a:spcBef>
+              <a:spcAft>
+                <a:spcPct val="0"/>
+              </a:spcAft>
+              <a:buClrTx/>
+              <a:buSzTx/>
+              <a:buFontTx/>
+              <a:buNone/>
+              <a:tabLst/>
+            </a:pPr>
+            <a:br>
+              <a:rPr kumimoji="0" lang="ko-KR" altLang="ko-KR" sz="1800" i="0" u="none" strike="noStrike" cap="none" normalizeH="0" baseline="0" dirty="0">
+                <a:ln>
+                  <a:noFill/>
+                </a:ln>
+                <a:solidFill>
+                  <a:schemeClr val="tx1"/>
+                </a:solidFill>
+                <a:effectLst/>
+                <a:latin typeface="Arial" panose="020B0604020202020204" pitchFamily="34" charset="0"/>
+              </a:rPr>
+            </a:br>
+            <a:r>
+              <a:rPr kumimoji="0" lang="ko-KR" altLang="ko-KR" sz="1800" i="0" u="none" strike="noStrike" cap="none" normalizeH="0" baseline="0" dirty="0">
+                <a:ln>
+                  <a:noFill/>
+                </a:ln>
+                <a:solidFill>
+                  <a:schemeClr val="tx1"/>
+                </a:solidFill>
+                <a:effectLst/>
+                <a:latin typeface="Arial Unicode MS"/>
+              </a:rPr>
+              <a:t>/</a:t>
+            </a:r>
+            <a:r>
+              <a:rPr kumimoji="0" lang="ko-KR" altLang="ko-KR" sz="1800" i="0" u="none" strike="noStrike" cap="none" normalizeH="0" baseline="0" dirty="0" err="1">
+                <a:ln>
+                  <a:noFill/>
+                </a:ln>
+                <a:solidFill>
+                  <a:schemeClr val="tx1"/>
+                </a:solidFill>
+                <a:effectLst/>
+                <a:latin typeface="Arial Unicode MS"/>
+              </a:rPr>
+              <a:t>users</a:t>
+            </a:r>
+            <a:r>
+              <a:rPr kumimoji="0" lang="ko-KR" altLang="ko-KR" sz="1800" i="0" u="none" strike="noStrike" cap="none" normalizeH="0" baseline="0" dirty="0">
+                <a:ln>
+                  <a:noFill/>
+                </a:ln>
+                <a:solidFill>
+                  <a:schemeClr val="tx1"/>
+                </a:solidFill>
+                <a:effectLst/>
+              </a:rPr>
+              <a:t> 경로를 기준으로,</a:t>
+            </a:r>
+            <a:br>
+              <a:rPr kumimoji="0" lang="ko-KR" altLang="ko-KR" sz="1800" i="0" u="none" strike="noStrike" cap="none" normalizeH="0" baseline="0" dirty="0">
+                <a:ln>
+                  <a:noFill/>
+                </a:ln>
+                <a:solidFill>
+                  <a:schemeClr val="tx1"/>
+                </a:solidFill>
+                <a:effectLst/>
+              </a:rPr>
+            </a:br>
+            <a:r>
+              <a:rPr kumimoji="0" lang="ko-KR" altLang="ko-KR" sz="1800" i="0" u="none" strike="noStrike" cap="none" normalizeH="0" baseline="0" dirty="0">
+                <a:ln>
+                  <a:noFill/>
+                </a:ln>
+                <a:solidFill>
+                  <a:schemeClr val="tx1"/>
+                </a:solidFill>
+                <a:effectLst/>
+                <a:latin typeface="Arial Unicode MS"/>
+              </a:rPr>
+              <a:t>/</a:t>
+            </a:r>
+            <a:r>
+              <a:rPr kumimoji="0" lang="ko-KR" altLang="ko-KR" sz="1800" i="0" u="none" strike="noStrike" cap="none" normalizeH="0" baseline="0" dirty="0" err="1">
+                <a:ln>
+                  <a:noFill/>
+                </a:ln>
+                <a:solidFill>
+                  <a:schemeClr val="tx1"/>
+                </a:solidFill>
+                <a:effectLst/>
+                <a:latin typeface="Arial Unicode MS"/>
+              </a:rPr>
+              <a:t>register</a:t>
+            </a:r>
+            <a:r>
+              <a:rPr kumimoji="0" lang="ko-KR" altLang="ko-KR" sz="1800" i="0" u="none" strike="noStrike" cap="none" normalizeH="0" baseline="0" dirty="0" err="1">
+                <a:ln>
+                  <a:noFill/>
+                </a:ln>
+                <a:solidFill>
+                  <a:schemeClr val="tx1"/>
+                </a:solidFill>
+                <a:effectLst/>
+              </a:rPr>
+              <a:t>는</a:t>
+            </a:r>
+            <a:r>
+              <a:rPr kumimoji="0" lang="ko-KR" altLang="ko-KR" sz="1800" i="0" u="none" strike="noStrike" cap="none" normalizeH="0" baseline="0" dirty="0">
+                <a:ln>
+                  <a:noFill/>
+                </a:ln>
+                <a:solidFill>
+                  <a:schemeClr val="tx1"/>
+                </a:solidFill>
+                <a:effectLst/>
+              </a:rPr>
+              <a:t> </a:t>
+            </a:r>
+            <a:r>
+              <a:rPr kumimoji="0" lang="ko-KR" altLang="ko-KR" sz="1800" i="0" u="none" strike="noStrike" cap="none" normalizeH="0" baseline="0" dirty="0">
+                <a:ln>
+                  <a:noFill/>
+                </a:ln>
+                <a:solidFill>
+                  <a:schemeClr val="tx1"/>
+                </a:solidFill>
+                <a:effectLst/>
+                <a:latin typeface="Arial" panose="020B0604020202020204" pitchFamily="34" charset="0"/>
+              </a:rPr>
+              <a:t>새로운 사용자 정보를 저장하여 회원가입을 수행하고,</a:t>
+            </a:r>
+            <a:br>
+              <a:rPr kumimoji="0" lang="ko-KR" altLang="ko-KR" sz="1800" i="0" u="none" strike="noStrike" cap="none" normalizeH="0" baseline="0" dirty="0">
+                <a:ln>
+                  <a:noFill/>
+                </a:ln>
+                <a:solidFill>
+                  <a:schemeClr val="tx1"/>
+                </a:solidFill>
+                <a:effectLst/>
+                <a:latin typeface="Arial" panose="020B0604020202020204" pitchFamily="34" charset="0"/>
+              </a:rPr>
+            </a:br>
+            <a:r>
+              <a:rPr kumimoji="0" lang="ko-KR" altLang="ko-KR" sz="1800" i="0" u="none" strike="noStrike" cap="none" normalizeH="0" baseline="0" dirty="0">
+                <a:ln>
+                  <a:noFill/>
+                </a:ln>
+                <a:solidFill>
+                  <a:schemeClr val="tx1"/>
+                </a:solidFill>
+                <a:effectLst/>
+                <a:latin typeface="Arial Unicode MS"/>
+              </a:rPr>
+              <a:t>/</a:t>
+            </a:r>
+            <a:r>
+              <a:rPr kumimoji="0" lang="ko-KR" altLang="ko-KR" sz="1800" i="0" u="none" strike="noStrike" cap="none" normalizeH="0" baseline="0" dirty="0" err="1">
+                <a:ln>
+                  <a:noFill/>
+                </a:ln>
+                <a:solidFill>
+                  <a:schemeClr val="tx1"/>
+                </a:solidFill>
+                <a:effectLst/>
+                <a:latin typeface="Arial Unicode MS"/>
+              </a:rPr>
+              <a:t>login</a:t>
+            </a:r>
+            <a:r>
+              <a:rPr kumimoji="0" lang="ko-KR" altLang="ko-KR" sz="1800" i="0" u="none" strike="noStrike" cap="none" normalizeH="0" baseline="0" dirty="0" err="1">
+                <a:ln>
+                  <a:noFill/>
+                </a:ln>
+                <a:solidFill>
+                  <a:schemeClr val="tx1"/>
+                </a:solidFill>
+                <a:effectLst/>
+              </a:rPr>
+              <a:t>은</a:t>
+            </a:r>
+            <a:r>
+              <a:rPr kumimoji="0" lang="ko-KR" altLang="ko-KR" sz="1800" i="0" u="none" strike="noStrike" cap="none" normalizeH="0" baseline="0" dirty="0">
+                <a:ln>
+                  <a:noFill/>
+                </a:ln>
+                <a:solidFill>
+                  <a:schemeClr val="tx1"/>
+                </a:solidFill>
+                <a:effectLst/>
+              </a:rPr>
+              <a:t> </a:t>
+            </a:r>
+            <a:r>
+              <a:rPr kumimoji="0" lang="ko-KR" altLang="ko-KR" sz="1800" i="0" u="none" strike="noStrike" cap="none" normalizeH="0" baseline="0" dirty="0">
+                <a:ln>
+                  <a:noFill/>
+                </a:ln>
+                <a:solidFill>
+                  <a:schemeClr val="tx1"/>
+                </a:solidFill>
+                <a:effectLst/>
+                <a:latin typeface="Arial" panose="020B0604020202020204" pitchFamily="34" charset="0"/>
+              </a:rPr>
+              <a:t>입력된 사용자 정보를 검토하여 로그인 성공 여부를 판단합니다.</a:t>
+            </a:r>
+            <a:endParaRPr kumimoji="0" lang="en-US" altLang="ko-KR" sz="1800" i="0" u="none" strike="noStrike" cap="none" normalizeH="0" baseline="0" dirty="0">
+              <a:ln>
+                <a:noFill/>
+              </a:ln>
+              <a:solidFill>
+                <a:schemeClr val="tx1"/>
+              </a:solidFill>
+              <a:effectLst/>
+              <a:latin typeface="Arial" panose="020B0604020202020204" pitchFamily="34" charset="0"/>
+            </a:endParaRPr>
+          </a:p>
+          <a:p>
+            <a:pPr marL="0" marR="0" lvl="0" indent="0" algn="l" defTabSz="914400" rtl="0" eaLnBrk="0" fontAlgn="base" latinLnBrk="0" hangingPunct="0">
+              <a:lnSpc>
+                <a:spcPct val="100000"/>
+              </a:lnSpc>
+              <a:spcBef>
+                <a:spcPct val="0"/>
+              </a:spcBef>
+              <a:spcAft>
+                <a:spcPct val="0"/>
+              </a:spcAft>
+              <a:buClrTx/>
+              <a:buSzTx/>
+              <a:buFontTx/>
+              <a:buNone/>
+              <a:tabLst/>
+            </a:pPr>
+            <a:endParaRPr kumimoji="0" lang="en-US" altLang="ko-KR" sz="1800" i="0" u="none" strike="noStrike" cap="none" normalizeH="0" baseline="0" dirty="0">
+              <a:ln>
+                <a:noFill/>
+              </a:ln>
+              <a:solidFill>
+                <a:schemeClr val="tx1"/>
+              </a:solidFill>
+              <a:effectLst/>
+              <a:latin typeface="Arial" panose="020B0604020202020204" pitchFamily="34" charset="0"/>
+            </a:endParaRPr>
+          </a:p>
+          <a:p>
+            <a:pPr marL="0" marR="0" lvl="0" indent="0" algn="l" defTabSz="914400" rtl="0" eaLnBrk="0" fontAlgn="base" latinLnBrk="0" hangingPunct="0">
+              <a:lnSpc>
+                <a:spcPct val="100000"/>
+              </a:lnSpc>
+              <a:spcBef>
+                <a:spcPct val="0"/>
+              </a:spcBef>
+              <a:spcAft>
+                <a:spcPct val="0"/>
+              </a:spcAft>
+              <a:buClrTx/>
+              <a:buSzTx/>
+              <a:buFontTx/>
+              <a:buNone/>
+              <a:tabLst/>
+            </a:pPr>
+            <a:endParaRPr kumimoji="0" lang="ko-KR" altLang="ko-KR" sz="1800" i="0" u="none" strike="noStrike" cap="none" normalizeH="0" baseline="0" dirty="0">
+              <a:ln>
+                <a:noFill/>
+              </a:ln>
+              <a:solidFill>
+                <a:schemeClr val="tx1"/>
+              </a:solidFill>
+              <a:effectLst/>
+              <a:latin typeface="Arial" panose="020B0604020202020204" pitchFamily="34" charset="0"/>
+            </a:endParaRPr>
+          </a:p>
+          <a:p>
+            <a:pPr marL="0" marR="0" lvl="0" indent="0" algn="l" defTabSz="914400" rtl="0" eaLnBrk="0" fontAlgn="base" latinLnBrk="0" hangingPunct="0">
+              <a:lnSpc>
+                <a:spcPct val="100000"/>
+              </a:lnSpc>
+              <a:spcBef>
+                <a:spcPct val="0"/>
+              </a:spcBef>
+              <a:spcAft>
+                <a:spcPct val="0"/>
+              </a:spcAft>
+              <a:buClrTx/>
+              <a:buSzTx/>
+              <a:buFontTx/>
+              <a:buNone/>
+              <a:tabLst/>
+            </a:pPr>
+            <a:r>
+              <a:rPr kumimoji="0" lang="ko-KR" altLang="ko-KR" sz="1800" i="0" u="none" strike="noStrike" cap="none" normalizeH="0" baseline="0" dirty="0">
+                <a:ln>
+                  <a:noFill/>
+                </a:ln>
+                <a:solidFill>
+                  <a:schemeClr val="tx1"/>
+                </a:solidFill>
+                <a:effectLst/>
+                <a:latin typeface="Arial" panose="020B0604020202020204" pitchFamily="34" charset="0"/>
+              </a:rPr>
+              <a:t>사용자는 </a:t>
+            </a:r>
+            <a:r>
+              <a:rPr kumimoji="0" lang="ko-KR" altLang="ko-KR" sz="1800" i="0" u="none" strike="noStrike" cap="none" normalizeH="0" baseline="0" dirty="0" err="1">
+                <a:ln>
+                  <a:noFill/>
+                </a:ln>
+                <a:solidFill>
+                  <a:schemeClr val="tx1"/>
+                </a:solidFill>
+                <a:effectLst/>
+                <a:latin typeface="Arial Unicode MS"/>
+              </a:rPr>
+              <a:t>username</a:t>
+            </a:r>
+            <a:r>
+              <a:rPr kumimoji="0" lang="ko-KR" altLang="ko-KR" sz="1800" i="0" u="none" strike="noStrike" cap="none" normalizeH="0" baseline="0" dirty="0" err="1">
+                <a:ln>
+                  <a:noFill/>
+                </a:ln>
+                <a:solidFill>
+                  <a:schemeClr val="tx1"/>
+                </a:solidFill>
+                <a:effectLst/>
+              </a:rPr>
+              <a:t>과</a:t>
+            </a:r>
+            <a:r>
+              <a:rPr kumimoji="0" lang="ko-KR" altLang="ko-KR" sz="1800" i="0" u="none" strike="noStrike" cap="none" normalizeH="0" baseline="0" dirty="0">
+                <a:ln>
+                  <a:noFill/>
+                </a:ln>
+                <a:solidFill>
+                  <a:schemeClr val="tx1"/>
+                </a:solidFill>
+                <a:effectLst/>
+              </a:rPr>
+              <a:t> </a:t>
+            </a:r>
+            <a:r>
+              <a:rPr kumimoji="0" lang="ko-KR" altLang="ko-KR" sz="1800" i="0" u="none" strike="noStrike" cap="none" normalizeH="0" baseline="0" dirty="0" err="1">
+                <a:ln>
+                  <a:noFill/>
+                </a:ln>
+                <a:solidFill>
+                  <a:schemeClr val="tx1"/>
+                </a:solidFill>
+                <a:effectLst/>
+                <a:latin typeface="Arial Unicode MS"/>
+              </a:rPr>
+              <a:t>password</a:t>
+            </a:r>
+            <a:r>
+              <a:rPr kumimoji="0" lang="ko-KR" altLang="ko-KR" sz="1800" i="0" u="none" strike="noStrike" cap="none" normalizeH="0" baseline="0" dirty="0" err="1">
+                <a:ln>
+                  <a:noFill/>
+                </a:ln>
+                <a:solidFill>
+                  <a:schemeClr val="tx1"/>
+                </a:solidFill>
+                <a:effectLst/>
+              </a:rPr>
+              <a:t>를</a:t>
+            </a:r>
+            <a:r>
+              <a:rPr kumimoji="0" lang="ko-KR" altLang="ko-KR" sz="1800" i="0" u="none" strike="noStrike" cap="none" normalizeH="0" baseline="0" dirty="0">
+                <a:ln>
+                  <a:noFill/>
+                </a:ln>
+                <a:solidFill>
+                  <a:schemeClr val="tx1"/>
+                </a:solidFill>
+                <a:effectLst/>
+              </a:rPr>
+              <a:t> JSON 형태로 입력하고,</a:t>
+            </a:r>
+            <a:br>
+              <a:rPr kumimoji="0" lang="ko-KR" altLang="ko-KR" sz="1800" i="0" u="none" strike="noStrike" cap="none" normalizeH="0" baseline="0" dirty="0">
+                <a:ln>
+                  <a:noFill/>
+                </a:ln>
+                <a:solidFill>
+                  <a:schemeClr val="tx1"/>
+                </a:solidFill>
+                <a:effectLst/>
+              </a:rPr>
+            </a:br>
+            <a:r>
+              <a:rPr kumimoji="0" lang="ko-KR" altLang="ko-KR" sz="1800" i="0" u="none" strike="noStrike" cap="none" normalizeH="0" baseline="0" dirty="0">
+                <a:ln>
+                  <a:noFill/>
+                </a:ln>
+                <a:solidFill>
+                  <a:schemeClr val="tx1"/>
+                </a:solidFill>
+                <a:effectLst/>
+              </a:rPr>
+              <a:t>서버는 요청을 처리한 후 </a:t>
+            </a:r>
+            <a:r>
+              <a:rPr kumimoji="0" lang="ko-KR" altLang="ko-KR" sz="1800" i="0" u="none" strike="noStrike" cap="none" normalizeH="0" baseline="0" dirty="0">
+                <a:ln>
+                  <a:noFill/>
+                </a:ln>
+                <a:solidFill>
+                  <a:schemeClr val="tx1"/>
+                </a:solidFill>
+                <a:effectLst/>
+                <a:latin typeface="Arial" panose="020B0604020202020204" pitchFamily="34" charset="0"/>
+              </a:rPr>
+              <a:t>성공 또는 실패 메시지를 JSON 형식으로 응답합니다.</a:t>
+            </a:r>
+          </a:p>
+        </p:txBody>
+      </p:sp>
+    </p:spTree>
+    <p:extLst>
+      <p:ext uri="{BB962C8B-B14F-4D97-AF65-F5344CB8AC3E}">
+        <p14:creationId xmlns:p14="http://schemas.microsoft.com/office/powerpoint/2010/main" val="4183329347"/>
+      </p:ext>
+    </p:extLst>
+  </p:cSld>
+  <p:clrMapOvr>
+    <a:masterClrMapping/>
+  </p:clrMapOvr>
+</p:sld>
+</file>
+
+<file path=ppt/slides/slide27.xml><?xml version="1.0" encoding="utf-8"?>
 <p:sld xmlns:a="http://schemas.openxmlformats.org/drawingml/2006/main" xmlns:r="http://schemas.openxmlformats.org/officeDocument/2006/relationships" xmlns:p="http://schemas.openxmlformats.org/presentationml/2006/main">
   <p:cSld>
     <p:spTree>
